--- a/ClassMaterials/Sorting/Slides/Part4-BigOandBogo.pptx
+++ b/ClassMaterials/Sorting/Slides/Part4-BigOandBogo.pptx
@@ -162,6 +162,35 @@
 </p:presentation>
 </file>
 
+<file path=ppt/changesInfos/changesInfo1.xml><?xml version="1.0" encoding="utf-8"?>
+<pc:chgInfo xmlns:a="http://schemas.openxmlformats.org/drawingml/2006/main" xmlns:r="http://schemas.openxmlformats.org/officeDocument/2006/relationships" xmlns:ac="http://schemas.microsoft.com/office/drawing/2013/main/command" xmlns:pc="http://schemas.microsoft.com/office/powerpoint/2013/main/command">
+  <pc:docChgLst>
+    <pc:chgData name="Yoder, Jason" userId="28f4d4d8-da04-4f86-b14d-a21675737bc5" providerId="ADAL" clId="{F78C2C92-C55A-421C-A35B-64FC1146ECD0}"/>
+    <pc:docChg chg="custSel modSld">
+      <pc:chgData name="Yoder, Jason" userId="28f4d4d8-da04-4f86-b14d-a21675737bc5" providerId="ADAL" clId="{F78C2C92-C55A-421C-A35B-64FC1146ECD0}" dt="2023-11-03T14:06:59.986" v="0" actId="478"/>
+      <pc:docMkLst>
+        <pc:docMk/>
+      </pc:docMkLst>
+      <pc:sldChg chg="delSp mod">
+        <pc:chgData name="Yoder, Jason" userId="28f4d4d8-da04-4f86-b14d-a21675737bc5" providerId="ADAL" clId="{F78C2C92-C55A-421C-A35B-64FC1146ECD0}" dt="2023-11-03T14:06:59.986" v="0" actId="478"/>
+        <pc:sldMkLst>
+          <pc:docMk/>
+          <pc:sldMk cId="0" sldId="257"/>
+        </pc:sldMkLst>
+        <pc:spChg chg="del">
+          <ac:chgData name="Yoder, Jason" userId="28f4d4d8-da04-4f86-b14d-a21675737bc5" providerId="ADAL" clId="{F78C2C92-C55A-421C-A35B-64FC1146ECD0}" dt="2023-11-03T14:06:59.986" v="0" actId="478"/>
+          <ac:spMkLst>
+            <pc:docMk/>
+            <pc:sldMk cId="0" sldId="257"/>
+            <ac:spMk id="5" creationId="{00000000-0000-0000-0000-000000000000}"/>
+          </ac:spMkLst>
+        </pc:spChg>
+      </pc:sldChg>
+    </pc:docChg>
+  </pc:docChgLst>
+</pc:chgInfo>
+</file>
+
 <file path=ppt/handoutMasters/handoutMaster1.xml><?xml version="1.0" encoding="utf-8"?>
 <p:handoutMaster xmlns:a="http://schemas.openxmlformats.org/drawingml/2006/main" xmlns:r="http://schemas.openxmlformats.org/officeDocument/2006/relationships" xmlns:p="http://schemas.openxmlformats.org/presentationml/2006/main">
   <p:cSld>
@@ -279,7 +308,7 @@
               <a:pPr>
                 <a:defRPr/>
               </a:pPr>
-              <a:t>11/22/2022</a:t>
+              <a:t>11/3/2023</a:t>
             </a:fld>
             <a:endParaRPr lang="en-US"/>
           </a:p>
@@ -514,7 +543,7 @@
               <a:pPr>
                 <a:defRPr/>
               </a:pPr>
-              <a:t>11/22/2022</a:t>
+              <a:t>11/2/2023</a:t>
             </a:fld>
             <a:endParaRPr lang="en-US"/>
           </a:p>
@@ -1504,7 +1533,7 @@
               <a:pPr>
                 <a:defRPr/>
               </a:pPr>
-              <a:t>Tuesday, November 22, 2022</a:t>
+              <a:t>Thursday, November 2, 2023</a:t>
             </a:fld>
             <a:endParaRPr lang="en-US" dirty="0"/>
           </a:p>
@@ -1687,7 +1716,7 @@
               <a:pPr>
                 <a:defRPr/>
               </a:pPr>
-              <a:t>Tuesday, November 22, 2022</a:t>
+              <a:t>Thursday, November 2, 2023</a:t>
             </a:fld>
             <a:endParaRPr lang="en-US" dirty="0"/>
           </a:p>
@@ -1880,7 +1909,7 @@
               <a:pPr>
                 <a:defRPr/>
               </a:pPr>
-              <a:t>Tuesday, November 22, 2022</a:t>
+              <a:t>Thursday, November 2, 2023</a:t>
             </a:fld>
             <a:endParaRPr lang="en-US" dirty="0"/>
           </a:p>
@@ -2063,7 +2092,7 @@
               <a:pPr>
                 <a:defRPr/>
               </a:pPr>
-              <a:t>Tuesday, November 22, 2022</a:t>
+              <a:t>Thursday, November 2, 2023</a:t>
             </a:fld>
             <a:endParaRPr lang="en-US" dirty="0"/>
           </a:p>
@@ -2323,7 +2352,7 @@
               <a:pPr>
                 <a:defRPr/>
               </a:pPr>
-              <a:t>Tuesday, November 22, 2022</a:t>
+              <a:t>Thursday, November 2, 2023</a:t>
             </a:fld>
             <a:endParaRPr lang="en-US"/>
           </a:p>
@@ -2623,7 +2652,7 @@
               <a:pPr>
                 <a:defRPr/>
               </a:pPr>
-              <a:t>Tuesday, November 22, 2022</a:t>
+              <a:t>Thursday, November 2, 2023</a:t>
             </a:fld>
             <a:endParaRPr lang="en-US"/>
           </a:p>
@@ -3057,7 +3086,7 @@
               <a:pPr>
                 <a:defRPr/>
               </a:pPr>
-              <a:t>Tuesday, November 22, 2022</a:t>
+              <a:t>Thursday, November 2, 2023</a:t>
             </a:fld>
             <a:endParaRPr lang="en-US"/>
           </a:p>
@@ -3189,7 +3218,7 @@
               <a:pPr>
                 <a:defRPr/>
               </a:pPr>
-              <a:t>Tuesday, November 22, 2022</a:t>
+              <a:t>Thursday, November 2, 2023</a:t>
             </a:fld>
             <a:endParaRPr lang="en-US"/>
           </a:p>
@@ -3299,7 +3328,7 @@
               <a:pPr>
                 <a:defRPr/>
               </a:pPr>
-              <a:t>Tuesday, November 22, 2022</a:t>
+              <a:t>Thursday, November 2, 2023</a:t>
             </a:fld>
             <a:endParaRPr lang="en-US" dirty="0"/>
           </a:p>
@@ -3589,7 +3618,7 @@
               <a:pPr>
                 <a:defRPr/>
               </a:pPr>
-              <a:t>Tuesday, November 22, 2022</a:t>
+              <a:t>Thursday, November 2, 2023</a:t>
             </a:fld>
             <a:endParaRPr lang="en-US"/>
           </a:p>
@@ -3856,7 +3885,7 @@
               <a:pPr>
                 <a:defRPr/>
               </a:pPr>
-              <a:t>Tuesday, November 22, 2022</a:t>
+              <a:t>Thursday, November 2, 2023</a:t>
             </a:fld>
             <a:endParaRPr lang="en-US"/>
           </a:p>
@@ -4082,7 +4111,7 @@
               <a:pPr>
                 <a:defRPr/>
               </a:pPr>
-              <a:t>Tuesday, November 22, 2022</a:t>
+              <a:t>Thursday, November 2, 2023</a:t>
             </a:fld>
             <a:endParaRPr lang="en-US" dirty="0"/>
           </a:p>
@@ -5497,51 +5526,6 @@
               <a:rPr lang="en-US" dirty="0"/>
               <a:t> for next class</a:t>
             </a:r>
-          </a:p>
-        </p:txBody>
-      </p:sp>
-      <p:sp>
-        <p:nvSpPr>
-          <p:cNvPr id="5" name="TextBox 4"/>
-          <p:cNvSpPr txBox="1"/>
-          <p:nvPr/>
-        </p:nvSpPr>
-        <p:spPr>
-          <a:xfrm>
-            <a:off x="7772400" y="6324600"/>
-            <a:ext cx="1260281" cy="369332"/>
-          </a:xfrm>
-          <a:prstGeom prst="rect">
-            <a:avLst/>
-          </a:prstGeom>
-        </p:spPr>
-        <p:style>
-          <a:lnRef idx="2">
-            <a:schemeClr val="accent3">
-              <a:shade val="50000"/>
-            </a:schemeClr>
-          </a:lnRef>
-          <a:fillRef idx="1">
-            <a:schemeClr val="accent3"/>
-          </a:fillRef>
-          <a:effectRef idx="0">
-            <a:schemeClr val="accent3"/>
-          </a:effectRef>
-          <a:fontRef idx="minor">
-            <a:schemeClr val="lt1"/>
-          </a:fontRef>
-        </p:style>
-        <p:txBody>
-          <a:bodyPr wrap="none" rtlCol="0">
-            <a:spAutoFit/>
-          </a:bodyPr>
-          <a:lstStyle/>
-          <a:p>
-            <a:r>
-              <a:rPr lang="en-US"/>
-              <a:t>Q20-Q21</a:t>
-            </a:r>
-            <a:endParaRPr lang="en-US" dirty="0"/>
           </a:p>
         </p:txBody>
       </p:sp>

--- a/ClassMaterials/Sorting/Slides/Part4-BigOandBogo.pptx
+++ b/ClassMaterials/Sorting/Slides/Part4-BigOandBogo.pptx
@@ -308,7 +308,7 @@
               <a:pPr>
                 <a:defRPr/>
               </a:pPr>
-              <a:t>11/3/2023</a:t>
+              <a:t>2/26/2024</a:t>
             </a:fld>
             <a:endParaRPr lang="en-US"/>
           </a:p>
@@ -543,7 +543,7 @@
               <a:pPr>
                 <a:defRPr/>
               </a:pPr>
-              <a:t>11/2/2023</a:t>
+              <a:t>2/26/2024</a:t>
             </a:fld>
             <a:endParaRPr lang="en-US"/>
           </a:p>
@@ -1201,8 +1201,13 @@
           <a:p>
             <a:r>
               <a:rPr lang="en-US" dirty="0"/>
-              <a:t>Use random quantum information and check if sorted, if not destroy the universe, given the infinite parallel universes, at least one worked, which survives…</a:t>
-            </a:r>
+              <a:t>From </a:t>
+            </a:r>
+            <a:r>
+              <a:rPr lang="en-US" dirty="0" err="1"/>
+              <a:t>WIkipedia</a:t>
+            </a:r>
+            <a:endParaRPr lang="en-US" dirty="0"/>
           </a:p>
         </p:txBody>
       </p:sp>
@@ -1533,7 +1538,7 @@
               <a:pPr>
                 <a:defRPr/>
               </a:pPr>
-              <a:t>Thursday, November 2, 2023</a:t>
+              <a:t>Monday, February 26, 2024</a:t>
             </a:fld>
             <a:endParaRPr lang="en-US" dirty="0"/>
           </a:p>
@@ -1716,7 +1721,7 @@
               <a:pPr>
                 <a:defRPr/>
               </a:pPr>
-              <a:t>Thursday, November 2, 2023</a:t>
+              <a:t>Monday, February 26, 2024</a:t>
             </a:fld>
             <a:endParaRPr lang="en-US" dirty="0"/>
           </a:p>
@@ -1909,7 +1914,7 @@
               <a:pPr>
                 <a:defRPr/>
               </a:pPr>
-              <a:t>Thursday, November 2, 2023</a:t>
+              <a:t>Monday, February 26, 2024</a:t>
             </a:fld>
             <a:endParaRPr lang="en-US" dirty="0"/>
           </a:p>
@@ -2092,7 +2097,7 @@
               <a:pPr>
                 <a:defRPr/>
               </a:pPr>
-              <a:t>Thursday, November 2, 2023</a:t>
+              <a:t>Monday, February 26, 2024</a:t>
             </a:fld>
             <a:endParaRPr lang="en-US" dirty="0"/>
           </a:p>
@@ -2352,7 +2357,7 @@
               <a:pPr>
                 <a:defRPr/>
               </a:pPr>
-              <a:t>Thursday, November 2, 2023</a:t>
+              <a:t>Monday, February 26, 2024</a:t>
             </a:fld>
             <a:endParaRPr lang="en-US"/>
           </a:p>
@@ -2652,7 +2657,7 @@
               <a:pPr>
                 <a:defRPr/>
               </a:pPr>
-              <a:t>Thursday, November 2, 2023</a:t>
+              <a:t>Monday, February 26, 2024</a:t>
             </a:fld>
             <a:endParaRPr lang="en-US"/>
           </a:p>
@@ -3086,7 +3091,7 @@
               <a:pPr>
                 <a:defRPr/>
               </a:pPr>
-              <a:t>Thursday, November 2, 2023</a:t>
+              <a:t>Monday, February 26, 2024</a:t>
             </a:fld>
             <a:endParaRPr lang="en-US"/>
           </a:p>
@@ -3218,7 +3223,7 @@
               <a:pPr>
                 <a:defRPr/>
               </a:pPr>
-              <a:t>Thursday, November 2, 2023</a:t>
+              <a:t>Monday, February 26, 2024</a:t>
             </a:fld>
             <a:endParaRPr lang="en-US"/>
           </a:p>
@@ -3328,7 +3333,7 @@
               <a:pPr>
                 <a:defRPr/>
               </a:pPr>
-              <a:t>Thursday, November 2, 2023</a:t>
+              <a:t>Monday, February 26, 2024</a:t>
             </a:fld>
             <a:endParaRPr lang="en-US" dirty="0"/>
           </a:p>
@@ -3618,7 +3623,7 @@
               <a:pPr>
                 <a:defRPr/>
               </a:pPr>
-              <a:t>Thursday, November 2, 2023</a:t>
+              <a:t>Monday, February 26, 2024</a:t>
             </a:fld>
             <a:endParaRPr lang="en-US"/>
           </a:p>
@@ -3885,7 +3890,7 @@
               <a:pPr>
                 <a:defRPr/>
               </a:pPr>
-              <a:t>Thursday, November 2, 2023</a:t>
+              <a:t>Monday, February 26, 2024</a:t>
             </a:fld>
             <a:endParaRPr lang="en-US"/>
           </a:p>
@@ -4111,7 +4116,7 @@
               <a:pPr>
                 <a:defRPr/>
               </a:pPr>
-              <a:t>Thursday, November 2, 2023</a:t>
+              <a:t>Monday, February 26, 2024</a:t>
             </a:fld>
             <a:endParaRPr lang="en-US" dirty="0"/>
           </a:p>
@@ -5314,54 +5319,45 @@
       </p:sp>
       <p:sp>
         <p:nvSpPr>
-          <p:cNvPr id="5" name="Text Placeholder 4">
+          <p:cNvPr id="7" name="TextBox 6">
             <a:extLst>
               <a:ext uri="{FF2B5EF4-FFF2-40B4-BE49-F238E27FC236}">
-                <a16:creationId xmlns:a16="http://schemas.microsoft.com/office/drawing/2014/main" id="{B4A769EE-8DCD-D0AB-0000-DD9A7C51A630}"/>
+                <a16:creationId xmlns:a16="http://schemas.microsoft.com/office/drawing/2014/main" id="{7D8FE30F-39A5-814B-D3F2-374D62F639F0}"/>
               </a:ext>
             </a:extLst>
           </p:cNvPr>
-          <p:cNvSpPr>
-            <a:spLocks noGrp="1"/>
-          </p:cNvSpPr>
-          <p:nvPr>
-            <p:ph type="body" idx="1"/>
-          </p:nvPr>
+          <p:cNvSpPr txBox="1"/>
+          <p:nvPr/>
         </p:nvSpPr>
         <p:spPr>
           <a:xfrm>
-            <a:off x="685800" y="1928813"/>
-            <a:ext cx="7772400" cy="1500187"/>
+            <a:off x="228600" y="2743200"/>
+            <a:ext cx="8763000" cy="1815882"/>
           </a:xfrm>
+          <a:prstGeom prst="rect">
+            <a:avLst/>
+          </a:prstGeom>
+          <a:noFill/>
         </p:spPr>
         <p:txBody>
-          <a:bodyPr>
-            <a:normAutofit/>
+          <a:bodyPr wrap="square">
+            <a:spAutoFit/>
           </a:bodyPr>
           <a:lstStyle/>
           <a:p>
             <a:r>
-              <a:rPr lang="en-US" sz="2400" dirty="0">
-                <a:solidFill>
-                  <a:schemeClr val="tx1"/>
-                </a:solidFill>
-              </a:rPr>
-              <a:t>Look it up on Wikipedia… </a:t>
-            </a:r>
-            <a:r>
-              <a:rPr lang="en-US" sz="2400" dirty="0">
-                <a:solidFill>
-                  <a:schemeClr val="tx1"/>
-                </a:solidFill>
-                <a:sym typeface="Wingdings" panose="05000000000000000000" pitchFamily="2" charset="2"/>
-              </a:rPr>
-              <a:t></a:t>
-            </a:r>
-            <a:endParaRPr lang="en-US" sz="2400" dirty="0">
-              <a:solidFill>
-                <a:schemeClr val="tx1"/>
-              </a:solidFill>
-            </a:endParaRPr>
+              <a:rPr lang="en-US" sz="2800" i="1" dirty="0"/>
+              <a:t>Use random quantum information and check if sorted:</a:t>
+            </a:r>
+          </a:p>
+          <a:p>
+            <a:endParaRPr lang="en-US" sz="2800" i="1" dirty="0"/>
+          </a:p>
+          <a:p>
+            <a:r>
+              <a:rPr lang="en-US" sz="2800" i="1" dirty="0"/>
+              <a:t>if not destroy the universe, given the infinite parallel universes, at least one worked, which survives…</a:t>
+            </a:r>
           </a:p>
         </p:txBody>
       </p:sp>
@@ -5375,85 +5371,6 @@
   <p:clrMapOvr>
     <a:masterClrMapping/>
   </p:clrMapOvr>
-  <p:timing>
-    <p:tnLst>
-      <p:par>
-        <p:cTn id="1" dur="indefinite" restart="never" nodeType="tmRoot">
-          <p:childTnLst>
-            <p:seq concurrent="1" nextAc="seek">
-              <p:cTn id="2" dur="indefinite" nodeType="mainSeq">
-                <p:childTnLst>
-                  <p:par>
-                    <p:cTn id="3" fill="hold">
-                      <p:stCondLst>
-                        <p:cond delay="indefinite"/>
-                      </p:stCondLst>
-                      <p:childTnLst>
-                        <p:par>
-                          <p:cTn id="4" fill="hold">
-                            <p:stCondLst>
-                              <p:cond delay="0"/>
-                            </p:stCondLst>
-                            <p:childTnLst>
-                              <p:par>
-                                <p:cTn id="5" presetID="1" presetClass="entr" presetSubtype="0" fill="hold" nodeType="clickEffect">
-                                  <p:stCondLst>
-                                    <p:cond delay="0"/>
-                                  </p:stCondLst>
-                                  <p:childTnLst>
-                                    <p:set>
-                                      <p:cBhvr>
-                                        <p:cTn id="6" dur="1" fill="hold">
-                                          <p:stCondLst>
-                                            <p:cond delay="0"/>
-                                          </p:stCondLst>
-                                        </p:cTn>
-                                        <p:tgtEl>
-                                          <p:spTgt spid="5">
-                                            <p:txEl>
-                                              <p:pRg st="0" end="0"/>
-                                            </p:txEl>
-                                          </p:spTgt>
-                                        </p:tgtEl>
-                                        <p:attrNameLst>
-                                          <p:attrName>style.visibility</p:attrName>
-                                        </p:attrNameLst>
-                                      </p:cBhvr>
-                                      <p:to>
-                                        <p:strVal val="visible"/>
-                                      </p:to>
-                                    </p:set>
-                                  </p:childTnLst>
-                                </p:cTn>
-                              </p:par>
-                            </p:childTnLst>
-                          </p:cTn>
-                        </p:par>
-                      </p:childTnLst>
-                    </p:cTn>
-                  </p:par>
-                </p:childTnLst>
-              </p:cTn>
-              <p:prevCondLst>
-                <p:cond evt="onPrev" delay="0">
-                  <p:tgtEl>
-                    <p:sldTgt/>
-                  </p:tgtEl>
-                </p:cond>
-              </p:prevCondLst>
-              <p:nextCondLst>
-                <p:cond evt="onNext" delay="0">
-                  <p:tgtEl>
-                    <p:sldTgt/>
-                  </p:tgtEl>
-                </p:cond>
-              </p:nextCondLst>
-            </p:seq>
-          </p:childTnLst>
-        </p:cTn>
-      </p:par>
-    </p:tnLst>
-  </p:timing>
 </p:sld>
 </file>
 
